--- a/Lab6/LabC1_Presentation_V2.pptx
+++ b/Lab6/LabC1_Presentation_V2.pptx
@@ -4084,7 +4084,15 @@
           <a:p>
             <a:r>
               <a:rPr lang="en-US" dirty="0"/>
-              <a:t>11/8/2021</a:t>
+              <a:t>Comp </a:t>
+            </a:r>
+            <a:r>
+              <a:rPr lang="en-US" dirty="0" err="1"/>
+              <a:t>Eng</a:t>
+            </a:r>
+            <a:r>
+              <a:rPr lang="en-US" dirty="0"/>
+              <a:t> 5430 Lab C-1</a:t>
             </a:r>
           </a:p>
         </p:txBody>
@@ -4610,8 +4618,8 @@
           </a:p>
         </p:txBody>
       </p:sp>
-      <mc:AlternateContent xmlns:mc="http://schemas.openxmlformats.org/markup-compatibility/2006">
-        <mc:Choice xmlns:a14="http://schemas.microsoft.com/office/drawing/2010/main" Requires="a14">
+      <mc:AlternateContent xmlns:mc="http://schemas.openxmlformats.org/markup-compatibility/2006" xmlns:a14="http://schemas.microsoft.com/office/drawing/2010/main">
+        <mc:Choice Requires="a14">
           <p:sp>
             <p:nvSpPr>
               <p:cNvPr id="13" name="TextBox 12">
@@ -4672,7 +4680,7 @@
             </p:txBody>
           </p:sp>
         </mc:Choice>
-        <mc:Fallback>
+        <mc:Fallback xmlns="">
           <p:sp>
             <p:nvSpPr>
               <p:cNvPr id="13" name="TextBox 12">
@@ -5167,6 +5175,36 @@
               <a:schemeClr val="tx1"/>
             </a:solidFill>
           </a:ln>
+        </p:spPr>
+      </p:pic>
+      <p:pic>
+        <p:nvPicPr>
+          <p:cNvPr id="5" name="Picture 4">
+            <a:extLst>
+              <a:ext uri="{FF2B5EF4-FFF2-40B4-BE49-F238E27FC236}">
+                <a16:creationId xmlns:a16="http://schemas.microsoft.com/office/drawing/2014/main" id="{E28C7B1C-D929-4380-975A-B19BCCAB43B1}"/>
+              </a:ext>
+            </a:extLst>
+          </p:cNvPr>
+          <p:cNvPicPr>
+            <a:picLocks noChangeAspect="1"/>
+          </p:cNvPicPr>
+          <p:nvPr/>
+        </p:nvPicPr>
+        <p:blipFill>
+          <a:blip r:embed="rId7"/>
+          <a:stretch>
+            <a:fillRect/>
+          </a:stretch>
+        </p:blipFill>
+        <p:spPr>
+          <a:xfrm>
+            <a:off x="4887879" y="1060684"/>
+            <a:ext cx="1089754" cy="457240"/>
+          </a:xfrm>
+          <a:prstGeom prst="rect">
+            <a:avLst/>
+          </a:prstGeom>
         </p:spPr>
       </p:pic>
     </p:spTree>
